--- a/Class Modules/Module 14_Machine Learning-K Means Clustering, Time Seires Analysis/Class 1_K Means Clustering/K-Mean Clustering.pptx
+++ b/Class Modules/Module 14_Machine Learning-K Means Clustering, Time Seires Analysis/Class 1_K Means Clustering/K-Mean Clustering.pptx
@@ -4,12 +4,15 @@
   <p:sldMasterIdLst>
     <p:sldMasterId id="2147483648" r:id="rId1"/>
   </p:sldMasterIdLst>
+  <p:notesMasterIdLst>
+    <p:notesMasterId r:id="rId20"/>
+  </p:notesMasterIdLst>
   <p:sldIdLst>
     <p:sldId id="256" r:id="rId2"/>
     <p:sldId id="268" r:id="rId3"/>
     <p:sldId id="267" r:id="rId4"/>
     <p:sldId id="270" r:id="rId5"/>
-    <p:sldId id="269" r:id="rId6"/>
+    <p:sldId id="275" r:id="rId6"/>
     <p:sldId id="258" r:id="rId7"/>
     <p:sldId id="259" r:id="rId8"/>
     <p:sldId id="265" r:id="rId9"/>
@@ -127,6 +130,463 @@
     </p:ext>
   </p:extLst>
 </p:presentation>
+</file>
+
+<file path=ppt/notesMasters/notesMaster1.xml><?xml version="1.0" encoding="utf-8"?>
+<p:notesMaster xmlns:a="http://schemas.openxmlformats.org/drawingml/2006/main" xmlns:r="http://schemas.openxmlformats.org/officeDocument/2006/relationships" xmlns:p="http://schemas.openxmlformats.org/presentationml/2006/main">
+  <p:cSld>
+    <p:bg>
+      <p:bgRef idx="1001">
+        <a:schemeClr val="bg1"/>
+      </p:bgRef>
+    </p:bg>
+    <p:spTree>
+      <p:nvGrpSpPr>
+        <p:cNvPr id="1" name=""/>
+        <p:cNvGrpSpPr/>
+        <p:nvPr/>
+      </p:nvGrpSpPr>
+      <p:grpSpPr>
+        <a:xfrm>
+          <a:off x="0" y="0"/>
+          <a:ext cx="0" cy="0"/>
+          <a:chOff x="0" y="0"/>
+          <a:chExt cx="0" cy="0"/>
+        </a:xfrm>
+      </p:grpSpPr>
+      <p:sp>
+        <p:nvSpPr>
+          <p:cNvPr id="2" name="Header Placeholder 1"/>
+          <p:cNvSpPr>
+            <a:spLocks noGrp="1"/>
+          </p:cNvSpPr>
+          <p:nvPr>
+            <p:ph type="hdr" sz="quarter"/>
+          </p:nvPr>
+        </p:nvSpPr>
+        <p:spPr>
+          <a:xfrm>
+            <a:off x="0" y="0"/>
+            <a:ext cx="2971800" cy="458788"/>
+          </a:xfrm>
+          <a:prstGeom prst="rect">
+            <a:avLst/>
+          </a:prstGeom>
+        </p:spPr>
+        <p:txBody>
+          <a:bodyPr vert="horz" lIns="91440" tIns="45720" rIns="91440" bIns="45720" rtlCol="0"/>
+          <a:lstStyle>
+            <a:lvl1pPr algn="l">
+              <a:defRPr sz="1200"/>
+            </a:lvl1pPr>
+          </a:lstStyle>
+          <a:p>
+            <a:endParaRPr lang="en-US"/>
+          </a:p>
+        </p:txBody>
+      </p:sp>
+      <p:sp>
+        <p:nvSpPr>
+          <p:cNvPr id="3" name="Date Placeholder 2"/>
+          <p:cNvSpPr>
+            <a:spLocks noGrp="1"/>
+          </p:cNvSpPr>
+          <p:nvPr>
+            <p:ph type="dt" idx="1"/>
+          </p:nvPr>
+        </p:nvSpPr>
+        <p:spPr>
+          <a:xfrm>
+            <a:off x="3884613" y="0"/>
+            <a:ext cx="2971800" cy="458788"/>
+          </a:xfrm>
+          <a:prstGeom prst="rect">
+            <a:avLst/>
+          </a:prstGeom>
+        </p:spPr>
+        <p:txBody>
+          <a:bodyPr vert="horz" lIns="91440" tIns="45720" rIns="91440" bIns="45720" rtlCol="0"/>
+          <a:lstStyle>
+            <a:lvl1pPr algn="r">
+              <a:defRPr sz="1200"/>
+            </a:lvl1pPr>
+          </a:lstStyle>
+          <a:p>
+            <a:fld id="{0101176B-D9ED-4D18-AEFA-6219AE87A9B2}" type="datetimeFigureOut">
+              <a:rPr lang="en-US" smtClean="0"/>
+              <a:t>10/21/2025</a:t>
+            </a:fld>
+            <a:endParaRPr lang="en-US"/>
+          </a:p>
+        </p:txBody>
+      </p:sp>
+      <p:sp>
+        <p:nvSpPr>
+          <p:cNvPr id="4" name="Slide Image Placeholder 3"/>
+          <p:cNvSpPr>
+            <a:spLocks noGrp="1" noRot="1" noChangeAspect="1"/>
+          </p:cNvSpPr>
+          <p:nvPr>
+            <p:ph type="sldImg" idx="2"/>
+          </p:nvPr>
+        </p:nvSpPr>
+        <p:spPr>
+          <a:xfrm>
+            <a:off x="685800" y="1143000"/>
+            <a:ext cx="5486400" cy="3086100"/>
+          </a:xfrm>
+          <a:prstGeom prst="rect">
+            <a:avLst/>
+          </a:prstGeom>
+          <a:noFill/>
+          <a:ln w="12700">
+            <a:solidFill>
+              <a:prstClr val="black"/>
+            </a:solidFill>
+          </a:ln>
+        </p:spPr>
+        <p:txBody>
+          <a:bodyPr vert="horz" lIns="91440" tIns="45720" rIns="91440" bIns="45720" rtlCol="0" anchor="ctr"/>
+          <a:lstStyle/>
+          <a:p>
+            <a:endParaRPr lang="en-US"/>
+          </a:p>
+        </p:txBody>
+      </p:sp>
+      <p:sp>
+        <p:nvSpPr>
+          <p:cNvPr id="5" name="Notes Placeholder 4"/>
+          <p:cNvSpPr>
+            <a:spLocks noGrp="1"/>
+          </p:cNvSpPr>
+          <p:nvPr>
+            <p:ph type="body" sz="quarter" idx="3"/>
+          </p:nvPr>
+        </p:nvSpPr>
+        <p:spPr>
+          <a:xfrm>
+            <a:off x="685800" y="4400550"/>
+            <a:ext cx="5486400" cy="3600450"/>
+          </a:xfrm>
+          <a:prstGeom prst="rect">
+            <a:avLst/>
+          </a:prstGeom>
+        </p:spPr>
+        <p:txBody>
+          <a:bodyPr vert="horz" lIns="91440" tIns="45720" rIns="91440" bIns="45720" rtlCol="0"/>
+          <a:lstStyle/>
+          <a:p>
+            <a:pPr lvl="0"/>
+            <a:r>
+              <a:rPr lang="en-US"/>
+              <a:t>Click to edit Master text styles</a:t>
+            </a:r>
+          </a:p>
+          <a:p>
+            <a:pPr lvl="1"/>
+            <a:r>
+              <a:rPr lang="en-US"/>
+              <a:t>Second level</a:t>
+            </a:r>
+          </a:p>
+          <a:p>
+            <a:pPr lvl="2"/>
+            <a:r>
+              <a:rPr lang="en-US"/>
+              <a:t>Third level</a:t>
+            </a:r>
+          </a:p>
+          <a:p>
+            <a:pPr lvl="3"/>
+            <a:r>
+              <a:rPr lang="en-US"/>
+              <a:t>Fourth level</a:t>
+            </a:r>
+          </a:p>
+          <a:p>
+            <a:pPr lvl="4"/>
+            <a:r>
+              <a:rPr lang="en-US"/>
+              <a:t>Fifth level</a:t>
+            </a:r>
+          </a:p>
+        </p:txBody>
+      </p:sp>
+      <p:sp>
+        <p:nvSpPr>
+          <p:cNvPr id="6" name="Footer Placeholder 5"/>
+          <p:cNvSpPr>
+            <a:spLocks noGrp="1"/>
+          </p:cNvSpPr>
+          <p:nvPr>
+            <p:ph type="ftr" sz="quarter" idx="4"/>
+          </p:nvPr>
+        </p:nvSpPr>
+        <p:spPr>
+          <a:xfrm>
+            <a:off x="0" y="8685213"/>
+            <a:ext cx="2971800" cy="458787"/>
+          </a:xfrm>
+          <a:prstGeom prst="rect">
+            <a:avLst/>
+          </a:prstGeom>
+        </p:spPr>
+        <p:txBody>
+          <a:bodyPr vert="horz" lIns="91440" tIns="45720" rIns="91440" bIns="45720" rtlCol="0" anchor="b"/>
+          <a:lstStyle>
+            <a:lvl1pPr algn="l">
+              <a:defRPr sz="1200"/>
+            </a:lvl1pPr>
+          </a:lstStyle>
+          <a:p>
+            <a:endParaRPr lang="en-US"/>
+          </a:p>
+        </p:txBody>
+      </p:sp>
+      <p:sp>
+        <p:nvSpPr>
+          <p:cNvPr id="7" name="Slide Number Placeholder 6"/>
+          <p:cNvSpPr>
+            <a:spLocks noGrp="1"/>
+          </p:cNvSpPr>
+          <p:nvPr>
+            <p:ph type="sldNum" sz="quarter" idx="5"/>
+          </p:nvPr>
+        </p:nvSpPr>
+        <p:spPr>
+          <a:xfrm>
+            <a:off x="3884613" y="8685213"/>
+            <a:ext cx="2971800" cy="458787"/>
+          </a:xfrm>
+          <a:prstGeom prst="rect">
+            <a:avLst/>
+          </a:prstGeom>
+        </p:spPr>
+        <p:txBody>
+          <a:bodyPr vert="horz" lIns="91440" tIns="45720" rIns="91440" bIns="45720" rtlCol="0" anchor="b"/>
+          <a:lstStyle>
+            <a:lvl1pPr algn="r">
+              <a:defRPr sz="1200"/>
+            </a:lvl1pPr>
+          </a:lstStyle>
+          <a:p>
+            <a:fld id="{CC4BB71A-E3CC-4B73-A4FB-AA33B3272C7D}" type="slidenum">
+              <a:rPr lang="en-US" smtClean="0"/>
+              <a:t>‹#›</a:t>
+            </a:fld>
+            <a:endParaRPr lang="en-US"/>
+          </a:p>
+        </p:txBody>
+      </p:sp>
+    </p:spTree>
+    <p:extLst>
+      <p:ext uri="{BB962C8B-B14F-4D97-AF65-F5344CB8AC3E}">
+        <p14:creationId xmlns:p14="http://schemas.microsoft.com/office/powerpoint/2010/main" val="674098389"/>
+      </p:ext>
+    </p:extLst>
+  </p:cSld>
+  <p:clrMap bg1="lt1" tx1="dk1" bg2="lt2" tx2="dk2" accent1="accent1" accent2="accent2" accent3="accent3" accent4="accent4" accent5="accent5" accent6="accent6" hlink="hlink" folHlink="folHlink"/>
+  <p:notesStyle>
+    <a:lvl1pPr marL="0" algn="l" defTabSz="914400" rtl="0" eaLnBrk="1" latinLnBrk="0" hangingPunct="1">
+      <a:defRPr sz="1200" kern="1200">
+        <a:solidFill>
+          <a:schemeClr val="tx1"/>
+        </a:solidFill>
+        <a:latin typeface="+mn-lt"/>
+        <a:ea typeface="+mn-ea"/>
+        <a:cs typeface="+mn-cs"/>
+      </a:defRPr>
+    </a:lvl1pPr>
+    <a:lvl2pPr marL="457200" algn="l" defTabSz="914400" rtl="0" eaLnBrk="1" latinLnBrk="0" hangingPunct="1">
+      <a:defRPr sz="1200" kern="1200">
+        <a:solidFill>
+          <a:schemeClr val="tx1"/>
+        </a:solidFill>
+        <a:latin typeface="+mn-lt"/>
+        <a:ea typeface="+mn-ea"/>
+        <a:cs typeface="+mn-cs"/>
+      </a:defRPr>
+    </a:lvl2pPr>
+    <a:lvl3pPr marL="914400" algn="l" defTabSz="914400" rtl="0" eaLnBrk="1" latinLnBrk="0" hangingPunct="1">
+      <a:defRPr sz="1200" kern="1200">
+        <a:solidFill>
+          <a:schemeClr val="tx1"/>
+        </a:solidFill>
+        <a:latin typeface="+mn-lt"/>
+        <a:ea typeface="+mn-ea"/>
+        <a:cs typeface="+mn-cs"/>
+      </a:defRPr>
+    </a:lvl3pPr>
+    <a:lvl4pPr marL="1371600" algn="l" defTabSz="914400" rtl="0" eaLnBrk="1" latinLnBrk="0" hangingPunct="1">
+      <a:defRPr sz="1200" kern="1200">
+        <a:solidFill>
+          <a:schemeClr val="tx1"/>
+        </a:solidFill>
+        <a:latin typeface="+mn-lt"/>
+        <a:ea typeface="+mn-ea"/>
+        <a:cs typeface="+mn-cs"/>
+      </a:defRPr>
+    </a:lvl4pPr>
+    <a:lvl5pPr marL="1828800" algn="l" defTabSz="914400" rtl="0" eaLnBrk="1" latinLnBrk="0" hangingPunct="1">
+      <a:defRPr sz="1200" kern="1200">
+        <a:solidFill>
+          <a:schemeClr val="tx1"/>
+        </a:solidFill>
+        <a:latin typeface="+mn-lt"/>
+        <a:ea typeface="+mn-ea"/>
+        <a:cs typeface="+mn-cs"/>
+      </a:defRPr>
+    </a:lvl5pPr>
+    <a:lvl6pPr marL="2286000" algn="l" defTabSz="914400" rtl="0" eaLnBrk="1" latinLnBrk="0" hangingPunct="1">
+      <a:defRPr sz="1200" kern="1200">
+        <a:solidFill>
+          <a:schemeClr val="tx1"/>
+        </a:solidFill>
+        <a:latin typeface="+mn-lt"/>
+        <a:ea typeface="+mn-ea"/>
+        <a:cs typeface="+mn-cs"/>
+      </a:defRPr>
+    </a:lvl6pPr>
+    <a:lvl7pPr marL="2743200" algn="l" defTabSz="914400" rtl="0" eaLnBrk="1" latinLnBrk="0" hangingPunct="1">
+      <a:defRPr sz="1200" kern="1200">
+        <a:solidFill>
+          <a:schemeClr val="tx1"/>
+        </a:solidFill>
+        <a:latin typeface="+mn-lt"/>
+        <a:ea typeface="+mn-ea"/>
+        <a:cs typeface="+mn-cs"/>
+      </a:defRPr>
+    </a:lvl7pPr>
+    <a:lvl8pPr marL="3200400" algn="l" defTabSz="914400" rtl="0" eaLnBrk="1" latinLnBrk="0" hangingPunct="1">
+      <a:defRPr sz="1200" kern="1200">
+        <a:solidFill>
+          <a:schemeClr val="tx1"/>
+        </a:solidFill>
+        <a:latin typeface="+mn-lt"/>
+        <a:ea typeface="+mn-ea"/>
+        <a:cs typeface="+mn-cs"/>
+      </a:defRPr>
+    </a:lvl8pPr>
+    <a:lvl9pPr marL="3657600" algn="l" defTabSz="914400" rtl="0" eaLnBrk="1" latinLnBrk="0" hangingPunct="1">
+      <a:defRPr sz="1200" kern="1200">
+        <a:solidFill>
+          <a:schemeClr val="tx1"/>
+        </a:solidFill>
+        <a:latin typeface="+mn-lt"/>
+        <a:ea typeface="+mn-ea"/>
+        <a:cs typeface="+mn-cs"/>
+      </a:defRPr>
+    </a:lvl9pPr>
+  </p:notesStyle>
+</p:notesMaster>
+</file>
+
+<file path=ppt/notesSlides/notesSlide1.xml><?xml version="1.0" encoding="utf-8"?>
+<p:notes xmlns:a="http://schemas.openxmlformats.org/drawingml/2006/main" xmlns:r="http://schemas.openxmlformats.org/officeDocument/2006/relationships" xmlns:p="http://schemas.openxmlformats.org/presentationml/2006/main">
+  <p:cSld>
+    <p:spTree>
+      <p:nvGrpSpPr>
+        <p:cNvPr id="1" name="">
+          <a:extLst>
+            <a:ext uri="{FF2B5EF4-FFF2-40B4-BE49-F238E27FC236}">
+              <a16:creationId xmlns:a16="http://schemas.microsoft.com/office/drawing/2014/main" id="{5DF366F4-8969-F6AD-52D9-3C46AD9E9B08}"/>
+            </a:ext>
+          </a:extLst>
+        </p:cNvPr>
+        <p:cNvGrpSpPr/>
+        <p:nvPr/>
+      </p:nvGrpSpPr>
+      <p:grpSpPr>
+        <a:xfrm>
+          <a:off x="0" y="0"/>
+          <a:ext cx="0" cy="0"/>
+          <a:chOff x="0" y="0"/>
+          <a:chExt cx="0" cy="0"/>
+        </a:xfrm>
+      </p:grpSpPr>
+      <p:sp>
+        <p:nvSpPr>
+          <p:cNvPr id="2" name="Slide Image Placeholder 1">
+            <a:extLst>
+              <a:ext uri="{FF2B5EF4-FFF2-40B4-BE49-F238E27FC236}">
+                <a16:creationId xmlns:a16="http://schemas.microsoft.com/office/drawing/2014/main" id="{8BCEC4EA-CDB0-DF4B-D32B-B84BE8CB7293}"/>
+              </a:ext>
+            </a:extLst>
+          </p:cNvPr>
+          <p:cNvSpPr>
+            <a:spLocks noGrp="1" noRot="1" noChangeAspect="1"/>
+          </p:cNvSpPr>
+          <p:nvPr>
+            <p:ph type="sldImg"/>
+          </p:nvPr>
+        </p:nvSpPr>
+        <p:spPr/>
+      </p:sp>
+      <p:sp>
+        <p:nvSpPr>
+          <p:cNvPr id="3" name="Notes Placeholder 2">
+            <a:extLst>
+              <a:ext uri="{FF2B5EF4-FFF2-40B4-BE49-F238E27FC236}">
+                <a16:creationId xmlns:a16="http://schemas.microsoft.com/office/drawing/2014/main" id="{DD89622B-2490-4C90-7B3A-7D7AAC01B396}"/>
+              </a:ext>
+            </a:extLst>
+          </p:cNvPr>
+          <p:cNvSpPr>
+            <a:spLocks noGrp="1"/>
+          </p:cNvSpPr>
+          <p:nvPr>
+            <p:ph type="body" idx="1"/>
+          </p:nvPr>
+        </p:nvSpPr>
+        <p:spPr/>
+        <p:txBody>
+          <a:bodyPr/>
+          <a:lstStyle/>
+          <a:p>
+            <a:endParaRPr lang="en-US" dirty="0"/>
+          </a:p>
+        </p:txBody>
+      </p:sp>
+      <p:sp>
+        <p:nvSpPr>
+          <p:cNvPr id="4" name="Slide Number Placeholder 3">
+            <a:extLst>
+              <a:ext uri="{FF2B5EF4-FFF2-40B4-BE49-F238E27FC236}">
+                <a16:creationId xmlns:a16="http://schemas.microsoft.com/office/drawing/2014/main" id="{5EF47D24-79D4-302C-C296-CD26DD76437C}"/>
+              </a:ext>
+            </a:extLst>
+          </p:cNvPr>
+          <p:cNvSpPr>
+            <a:spLocks noGrp="1"/>
+          </p:cNvSpPr>
+          <p:nvPr>
+            <p:ph type="sldNum" sz="quarter" idx="5"/>
+          </p:nvPr>
+        </p:nvSpPr>
+        <p:spPr/>
+        <p:txBody>
+          <a:bodyPr/>
+          <a:lstStyle/>
+          <a:p>
+            <a:fld id="{CC4BB71A-E3CC-4B73-A4FB-AA33B3272C7D}" type="slidenum">
+              <a:rPr lang="en-US" smtClean="0"/>
+              <a:t>5</a:t>
+            </a:fld>
+            <a:endParaRPr lang="en-US"/>
+          </a:p>
+        </p:txBody>
+      </p:sp>
+    </p:spTree>
+    <p:extLst>
+      <p:ext uri="{BB962C8B-B14F-4D97-AF65-F5344CB8AC3E}">
+        <p14:creationId xmlns:p14="http://schemas.microsoft.com/office/powerpoint/2010/main" val="3936515259"/>
+      </p:ext>
+    </p:extLst>
+  </p:cSld>
+  <p:clrMapOvr>
+    <a:masterClrMapping/>
+  </p:clrMapOvr>
+</p:notes>
 </file>
 
 <file path=ppt/slideLayouts/slideLayout1.xml><?xml version="1.0" encoding="utf-8"?>
@@ -258,7 +718,7 @@
           <a:p>
             <a:fld id="{8BB4F9A9-CB77-4A94-AEE0-C37C94C95FFF}" type="datetimeFigureOut">
               <a:rPr lang="en-US" smtClean="0"/>
-              <a:t>10/20/2025</a:t>
+              <a:t>10/21/2025</a:t>
             </a:fld>
             <a:endParaRPr lang="en-US"/>
           </a:p>
@@ -421,7 +881,7 @@
           <a:p>
             <a:fld id="{8BB4F9A9-CB77-4A94-AEE0-C37C94C95FFF}" type="datetimeFigureOut">
               <a:rPr lang="en-US" smtClean="0"/>
-              <a:t>10/20/2025</a:t>
+              <a:t>10/21/2025</a:t>
             </a:fld>
             <a:endParaRPr lang="en-US"/>
           </a:p>
@@ -594,7 +1054,7 @@
           <a:p>
             <a:fld id="{8BB4F9A9-CB77-4A94-AEE0-C37C94C95FFF}" type="datetimeFigureOut">
               <a:rPr lang="en-US" smtClean="0"/>
-              <a:t>10/20/2025</a:t>
+              <a:t>10/21/2025</a:t>
             </a:fld>
             <a:endParaRPr lang="en-US"/>
           </a:p>
@@ -757,7 +1217,7 @@
           <a:p>
             <a:fld id="{8BB4F9A9-CB77-4A94-AEE0-C37C94C95FFF}" type="datetimeFigureOut">
               <a:rPr lang="en-US" smtClean="0"/>
-              <a:t>10/20/2025</a:t>
+              <a:t>10/21/2025</a:t>
             </a:fld>
             <a:endParaRPr lang="en-US"/>
           </a:p>
@@ -997,7 +1457,7 @@
           <a:p>
             <a:fld id="{8BB4F9A9-CB77-4A94-AEE0-C37C94C95FFF}" type="datetimeFigureOut">
               <a:rPr lang="en-US" smtClean="0"/>
-              <a:t>10/20/2025</a:t>
+              <a:t>10/21/2025</a:t>
             </a:fld>
             <a:endParaRPr lang="en-US"/>
           </a:p>
@@ -1221,7 +1681,7 @@
           <a:p>
             <a:fld id="{8BB4F9A9-CB77-4A94-AEE0-C37C94C95FFF}" type="datetimeFigureOut">
               <a:rPr lang="en-US" smtClean="0"/>
-              <a:t>10/20/2025</a:t>
+              <a:t>10/21/2025</a:t>
             </a:fld>
             <a:endParaRPr lang="en-US"/>
           </a:p>
@@ -1580,7 +2040,7 @@
           <a:p>
             <a:fld id="{8BB4F9A9-CB77-4A94-AEE0-C37C94C95FFF}" type="datetimeFigureOut">
               <a:rPr lang="en-US" smtClean="0"/>
-              <a:t>10/20/2025</a:t>
+              <a:t>10/21/2025</a:t>
             </a:fld>
             <a:endParaRPr lang="en-US"/>
           </a:p>
@@ -1692,7 +2152,7 @@
           <a:p>
             <a:fld id="{8BB4F9A9-CB77-4A94-AEE0-C37C94C95FFF}" type="datetimeFigureOut">
               <a:rPr lang="en-US" smtClean="0"/>
-              <a:t>10/20/2025</a:t>
+              <a:t>10/21/2025</a:t>
             </a:fld>
             <a:endParaRPr lang="en-US"/>
           </a:p>
@@ -1782,7 +2242,7 @@
           <a:p>
             <a:fld id="{8BB4F9A9-CB77-4A94-AEE0-C37C94C95FFF}" type="datetimeFigureOut">
               <a:rPr lang="en-US" smtClean="0"/>
-              <a:t>10/20/2025</a:t>
+              <a:t>10/21/2025</a:t>
             </a:fld>
             <a:endParaRPr lang="en-US"/>
           </a:p>
@@ -2052,7 +2512,7 @@
           <a:p>
             <a:fld id="{8BB4F9A9-CB77-4A94-AEE0-C37C94C95FFF}" type="datetimeFigureOut">
               <a:rPr lang="en-US" smtClean="0"/>
-              <a:t>10/20/2025</a:t>
+              <a:t>10/21/2025</a:t>
             </a:fld>
             <a:endParaRPr lang="en-US"/>
           </a:p>
@@ -2299,7 +2759,7 @@
           <a:p>
             <a:fld id="{8BB4F9A9-CB77-4A94-AEE0-C37C94C95FFF}" type="datetimeFigureOut">
               <a:rPr lang="en-US" smtClean="0"/>
-              <a:t>10/20/2025</a:t>
+              <a:t>10/21/2025</a:t>
             </a:fld>
             <a:endParaRPr lang="en-US"/>
           </a:p>
@@ -2514,7 +2974,7 @@
           <a:p>
             <a:fld id="{8BB4F9A9-CB77-4A94-AEE0-C37C94C95FFF}" type="datetimeFigureOut">
               <a:rPr lang="en-US" smtClean="0"/>
-              <a:t>10/20/2025</a:t>
+              <a:t>10/21/2025</a:t>
             </a:fld>
             <a:endParaRPr lang="en-US"/>
           </a:p>
@@ -15067,7 +15527,7 @@
         <p:cNvPr id="1" name="">
           <a:extLst>
             <a:ext uri="{FF2B5EF4-FFF2-40B4-BE49-F238E27FC236}">
-              <a16:creationId xmlns:a16="http://schemas.microsoft.com/office/drawing/2014/main" id="{8754546F-FE81-75E0-4E76-1506483475A6}"/>
+              <a16:creationId xmlns:a16="http://schemas.microsoft.com/office/drawing/2014/main" id="{36A5FDFE-DA80-8F7F-2720-45FADA759A45}"/>
             </a:ext>
           </a:extLst>
         </p:cNvPr>
@@ -15087,7 +15547,7 @@
           <p:cNvPr id="5" name="Rectangle 4">
             <a:extLst>
               <a:ext uri="{FF2B5EF4-FFF2-40B4-BE49-F238E27FC236}">
-                <a16:creationId xmlns:a16="http://schemas.microsoft.com/office/drawing/2014/main" id="{2AEAAEAE-E4BB-1FF5-7DF5-99D29CAB4EF6}"/>
+                <a16:creationId xmlns:a16="http://schemas.microsoft.com/office/drawing/2014/main" id="{4681945F-4B68-F1BC-7F3C-F548EF77921A}"/>
               </a:ext>
             </a:extLst>
           </p:cNvPr>
@@ -15179,40 +15639,922 @@
           </a:p>
         </p:txBody>
       </p:sp>
-      <p:pic>
-        <p:nvPicPr>
-          <p:cNvPr id="12" name="Picture 11">
+      <p:grpSp>
+        <p:nvGrpSpPr>
+          <p:cNvPr id="45" name="Group 44">
             <a:extLst>
               <a:ext uri="{FF2B5EF4-FFF2-40B4-BE49-F238E27FC236}">
-                <a16:creationId xmlns:a16="http://schemas.microsoft.com/office/drawing/2014/main" id="{C10CCBB3-0880-72F1-39FA-F759CCF40EAD}"/>
+                <a16:creationId xmlns:a16="http://schemas.microsoft.com/office/drawing/2014/main" id="{0BD759FE-7C63-C4A5-0BE9-66732A251D92}"/>
               </a:ext>
             </a:extLst>
           </p:cNvPr>
-          <p:cNvPicPr>
-            <a:picLocks noChangeAspect="1"/>
-          </p:cNvPicPr>
+          <p:cNvGrpSpPr/>
           <p:nvPr/>
-        </p:nvPicPr>
-        <p:blipFill>
-          <a:blip r:embed="rId2"/>
-          <a:stretch>
-            <a:fillRect/>
-          </a:stretch>
-        </p:blipFill>
-        <p:spPr>
+        </p:nvGrpSpPr>
+        <p:grpSpPr>
           <a:xfrm>
-            <a:off x="1418368" y="1114906"/>
-            <a:ext cx="8625044" cy="5269609"/>
+            <a:off x="737536" y="1175658"/>
+            <a:ext cx="10815366" cy="5208857"/>
+            <a:chOff x="737536" y="1175658"/>
+            <a:chExt cx="10815366" cy="5208857"/>
           </a:xfrm>
-          <a:prstGeom prst="rect">
-            <a:avLst/>
-          </a:prstGeom>
-        </p:spPr>
-      </p:pic>
+        </p:grpSpPr>
+        <p:sp>
+          <p:nvSpPr>
+            <p:cNvPr id="2" name="Flowchart: Process 1">
+              <a:extLst>
+                <a:ext uri="{FF2B5EF4-FFF2-40B4-BE49-F238E27FC236}">
+                  <a16:creationId xmlns:a16="http://schemas.microsoft.com/office/drawing/2014/main" id="{C22187AD-97E3-4655-7313-A122ADE9F3C6}"/>
+                </a:ext>
+              </a:extLst>
+            </p:cNvPr>
+            <p:cNvSpPr/>
+            <p:nvPr/>
+          </p:nvSpPr>
+          <p:spPr>
+            <a:xfrm>
+              <a:off x="5759645" y="1175658"/>
+              <a:ext cx="4131606" cy="428854"/>
+            </a:xfrm>
+            <a:prstGeom prst="flowChartProcess">
+              <a:avLst/>
+            </a:prstGeom>
+          </p:spPr>
+          <p:style>
+            <a:lnRef idx="2">
+              <a:schemeClr val="accent1">
+                <a:shade val="15000"/>
+              </a:schemeClr>
+            </a:lnRef>
+            <a:fillRef idx="1">
+              <a:schemeClr val="accent1"/>
+            </a:fillRef>
+            <a:effectRef idx="0">
+              <a:schemeClr val="accent1"/>
+            </a:effectRef>
+            <a:fontRef idx="minor">
+              <a:schemeClr val="lt1"/>
+            </a:fontRef>
+          </p:style>
+          <p:txBody>
+            <a:bodyPr rtlCol="0" anchor="ctr"/>
+            <a:lstStyle/>
+            <a:p>
+              <a:pPr algn="ctr"/>
+              <a:r>
+                <a:rPr lang="en-US" sz="1400" dirty="0">
+                  <a:latin typeface="Bookman Old Style" panose="02050604050505020204" pitchFamily="18" charset="0"/>
+                </a:rPr>
+                <a:t>Chose the number of clusters, K (</a:t>
+              </a:r>
+              <a:r>
+                <a:rPr lang="en-US" sz="1400" dirty="0" err="1">
+                  <a:latin typeface="Bookman Old Style" panose="02050604050505020204" pitchFamily="18" charset="0"/>
+                </a:rPr>
+                <a:t>n_clusters</a:t>
+              </a:r>
+              <a:r>
+                <a:rPr lang="en-US" sz="1400" dirty="0">
+                  <a:latin typeface="Bookman Old Style" panose="02050604050505020204" pitchFamily="18" charset="0"/>
+                </a:rPr>
+                <a:t>)</a:t>
+              </a:r>
+            </a:p>
+          </p:txBody>
+        </p:sp>
+        <p:sp>
+          <p:nvSpPr>
+            <p:cNvPr id="3" name="Flowchart: Process 2">
+              <a:extLst>
+                <a:ext uri="{FF2B5EF4-FFF2-40B4-BE49-F238E27FC236}">
+                  <a16:creationId xmlns:a16="http://schemas.microsoft.com/office/drawing/2014/main" id="{B660960B-DA0B-8017-5AB7-60ED5024A353}"/>
+                </a:ext>
+              </a:extLst>
+            </p:cNvPr>
+            <p:cNvSpPr/>
+            <p:nvPr/>
+          </p:nvSpPr>
+          <p:spPr>
+            <a:xfrm>
+              <a:off x="5759644" y="1960743"/>
+              <a:ext cx="4131606" cy="428854"/>
+            </a:xfrm>
+            <a:prstGeom prst="flowChartProcess">
+              <a:avLst/>
+            </a:prstGeom>
+          </p:spPr>
+          <p:style>
+            <a:lnRef idx="2">
+              <a:schemeClr val="accent1">
+                <a:shade val="15000"/>
+              </a:schemeClr>
+            </a:lnRef>
+            <a:fillRef idx="1">
+              <a:schemeClr val="accent1"/>
+            </a:fillRef>
+            <a:effectRef idx="0">
+              <a:schemeClr val="accent1"/>
+            </a:effectRef>
+            <a:fontRef idx="minor">
+              <a:schemeClr val="lt1"/>
+            </a:fontRef>
+          </p:style>
+          <p:txBody>
+            <a:bodyPr rtlCol="0" anchor="ctr"/>
+            <a:lstStyle/>
+            <a:p>
+              <a:pPr algn="ctr"/>
+              <a:r>
+                <a:rPr lang="en-US" sz="1400" dirty="0">
+                  <a:latin typeface="Bookman Old Style" panose="02050604050505020204" pitchFamily="18" charset="0"/>
+                </a:rPr>
+                <a:t>Initialize centroids</a:t>
+              </a:r>
+            </a:p>
+          </p:txBody>
+        </p:sp>
+        <p:sp>
+          <p:nvSpPr>
+            <p:cNvPr id="4" name="Flowchart: Process 3">
+              <a:extLst>
+                <a:ext uri="{FF2B5EF4-FFF2-40B4-BE49-F238E27FC236}">
+                  <a16:creationId xmlns:a16="http://schemas.microsoft.com/office/drawing/2014/main" id="{A76FF4FC-56EF-1AEA-2AE1-3B9EF89832B8}"/>
+                </a:ext>
+              </a:extLst>
+            </p:cNvPr>
+            <p:cNvSpPr/>
+            <p:nvPr/>
+          </p:nvSpPr>
+          <p:spPr>
+            <a:xfrm>
+              <a:off x="5759640" y="2782795"/>
+              <a:ext cx="4131606" cy="428854"/>
+            </a:xfrm>
+            <a:prstGeom prst="flowChartProcess">
+              <a:avLst/>
+            </a:prstGeom>
+          </p:spPr>
+          <p:style>
+            <a:lnRef idx="2">
+              <a:schemeClr val="accent1">
+                <a:shade val="15000"/>
+              </a:schemeClr>
+            </a:lnRef>
+            <a:fillRef idx="1">
+              <a:schemeClr val="accent1"/>
+            </a:fillRef>
+            <a:effectRef idx="0">
+              <a:schemeClr val="accent1"/>
+            </a:effectRef>
+            <a:fontRef idx="minor">
+              <a:schemeClr val="lt1"/>
+            </a:fontRef>
+          </p:style>
+          <p:txBody>
+            <a:bodyPr rtlCol="0" anchor="ctr"/>
+            <a:lstStyle/>
+            <a:p>
+              <a:pPr algn="ctr"/>
+              <a:r>
+                <a:rPr lang="en-US" sz="1400" dirty="0">
+                  <a:latin typeface="Bookman Old Style" panose="02050604050505020204" pitchFamily="18" charset="0"/>
+                </a:rPr>
+                <a:t>Assign data point to clusters</a:t>
+              </a:r>
+            </a:p>
+          </p:txBody>
+        </p:sp>
+        <p:sp>
+          <p:nvSpPr>
+            <p:cNvPr id="6" name="Flowchart: Process 5">
+              <a:extLst>
+                <a:ext uri="{FF2B5EF4-FFF2-40B4-BE49-F238E27FC236}">
+                  <a16:creationId xmlns:a16="http://schemas.microsoft.com/office/drawing/2014/main" id="{70D1CF76-8A56-547E-0A4B-3D3B1C58717A}"/>
+                </a:ext>
+              </a:extLst>
+            </p:cNvPr>
+            <p:cNvSpPr/>
+            <p:nvPr/>
+          </p:nvSpPr>
+          <p:spPr>
+            <a:xfrm>
+              <a:off x="5759641" y="3567880"/>
+              <a:ext cx="4131605" cy="428854"/>
+            </a:xfrm>
+            <a:prstGeom prst="flowChartProcess">
+              <a:avLst/>
+            </a:prstGeom>
+          </p:spPr>
+          <p:style>
+            <a:lnRef idx="2">
+              <a:schemeClr val="accent1">
+                <a:shade val="15000"/>
+              </a:schemeClr>
+            </a:lnRef>
+            <a:fillRef idx="1">
+              <a:schemeClr val="accent1"/>
+            </a:fillRef>
+            <a:effectRef idx="0">
+              <a:schemeClr val="accent1"/>
+            </a:effectRef>
+            <a:fontRef idx="minor">
+              <a:schemeClr val="lt1"/>
+            </a:fontRef>
+          </p:style>
+          <p:txBody>
+            <a:bodyPr rtlCol="0" anchor="ctr"/>
+            <a:lstStyle/>
+            <a:p>
+              <a:pPr algn="ctr"/>
+              <a:r>
+                <a:rPr lang="en-US" sz="1400" dirty="0">
+                  <a:latin typeface="Bookman Old Style" panose="02050604050505020204" pitchFamily="18" charset="0"/>
+                </a:rPr>
+                <a:t>Update centroids</a:t>
+              </a:r>
+            </a:p>
+          </p:txBody>
+        </p:sp>
+        <p:sp>
+          <p:nvSpPr>
+            <p:cNvPr id="7" name="Flowchart: Decision 6">
+              <a:extLst>
+                <a:ext uri="{FF2B5EF4-FFF2-40B4-BE49-F238E27FC236}">
+                  <a16:creationId xmlns:a16="http://schemas.microsoft.com/office/drawing/2014/main" id="{71E374F9-45BD-85CE-6986-4BB60382E356}"/>
+                </a:ext>
+              </a:extLst>
+            </p:cNvPr>
+            <p:cNvSpPr/>
+            <p:nvPr/>
+          </p:nvSpPr>
+          <p:spPr>
+            <a:xfrm>
+              <a:off x="6385996" y="4381340"/>
+              <a:ext cx="2878894" cy="1285153"/>
+            </a:xfrm>
+            <a:prstGeom prst="flowChartDecision">
+              <a:avLst/>
+            </a:prstGeom>
+          </p:spPr>
+          <p:style>
+            <a:lnRef idx="2">
+              <a:schemeClr val="accent1">
+                <a:shade val="15000"/>
+              </a:schemeClr>
+            </a:lnRef>
+            <a:fillRef idx="1">
+              <a:schemeClr val="accent1"/>
+            </a:fillRef>
+            <a:effectRef idx="0">
+              <a:schemeClr val="accent1"/>
+            </a:effectRef>
+            <a:fontRef idx="minor">
+              <a:schemeClr val="lt1"/>
+            </a:fontRef>
+          </p:style>
+          <p:txBody>
+            <a:bodyPr rtlCol="0" anchor="ctr"/>
+            <a:lstStyle/>
+            <a:p>
+              <a:pPr algn="ctr"/>
+              <a:r>
+                <a:rPr lang="en-US" sz="1400" dirty="0">
+                  <a:latin typeface="Bookman Old Style" panose="02050604050505020204" pitchFamily="18" charset="0"/>
+                </a:rPr>
+                <a:t>If</a:t>
+              </a:r>
+            </a:p>
+            <a:p>
+              <a:pPr algn="ctr"/>
+              <a:r>
+                <a:rPr lang="en-US" sz="1400" dirty="0">
+                  <a:latin typeface="Bookman Old Style" panose="02050604050505020204" pitchFamily="18" charset="0"/>
+                </a:rPr>
+                <a:t>Convergence</a:t>
+              </a:r>
+            </a:p>
+          </p:txBody>
+        </p:sp>
+        <p:cxnSp>
+          <p:nvCxnSpPr>
+            <p:cNvPr id="9" name="Straight Arrow Connector 8">
+              <a:extLst>
+                <a:ext uri="{FF2B5EF4-FFF2-40B4-BE49-F238E27FC236}">
+                  <a16:creationId xmlns:a16="http://schemas.microsoft.com/office/drawing/2014/main" id="{5F7B5E92-47B7-EC98-88F6-A0C99901BB3F}"/>
+                </a:ext>
+              </a:extLst>
+            </p:cNvPr>
+            <p:cNvCxnSpPr>
+              <a:cxnSpLocks/>
+              <a:stCxn id="2" idx="2"/>
+              <a:endCxn id="3" idx="0"/>
+            </p:cNvCxnSpPr>
+            <p:nvPr/>
+          </p:nvCxnSpPr>
+          <p:spPr>
+            <a:xfrm flipH="1">
+              <a:off x="7825447" y="1604512"/>
+              <a:ext cx="1" cy="356231"/>
+            </a:xfrm>
+            <a:prstGeom prst="straightConnector1">
+              <a:avLst/>
+            </a:prstGeom>
+            <a:ln>
+              <a:tailEnd type="triangle"/>
+            </a:ln>
+          </p:spPr>
+          <p:style>
+            <a:lnRef idx="1">
+              <a:schemeClr val="accent1"/>
+            </a:lnRef>
+            <a:fillRef idx="0">
+              <a:schemeClr val="accent1"/>
+            </a:fillRef>
+            <a:effectRef idx="0">
+              <a:schemeClr val="accent1"/>
+            </a:effectRef>
+            <a:fontRef idx="minor">
+              <a:schemeClr val="tx1"/>
+            </a:fontRef>
+          </p:style>
+        </p:cxnSp>
+        <p:cxnSp>
+          <p:nvCxnSpPr>
+            <p:cNvPr id="13" name="Straight Arrow Connector 12">
+              <a:extLst>
+                <a:ext uri="{FF2B5EF4-FFF2-40B4-BE49-F238E27FC236}">
+                  <a16:creationId xmlns:a16="http://schemas.microsoft.com/office/drawing/2014/main" id="{44FD74E2-B6C6-C63E-5FC9-C8E675D7A6A5}"/>
+                </a:ext>
+              </a:extLst>
+            </p:cNvPr>
+            <p:cNvCxnSpPr>
+              <a:cxnSpLocks/>
+              <a:stCxn id="3" idx="2"/>
+              <a:endCxn id="4" idx="0"/>
+            </p:cNvCxnSpPr>
+            <p:nvPr/>
+          </p:nvCxnSpPr>
+          <p:spPr>
+            <a:xfrm flipH="1">
+              <a:off x="7825443" y="2389597"/>
+              <a:ext cx="4" cy="393198"/>
+            </a:xfrm>
+            <a:prstGeom prst="straightConnector1">
+              <a:avLst/>
+            </a:prstGeom>
+            <a:ln>
+              <a:tailEnd type="triangle"/>
+            </a:ln>
+          </p:spPr>
+          <p:style>
+            <a:lnRef idx="1">
+              <a:schemeClr val="accent1"/>
+            </a:lnRef>
+            <a:fillRef idx="0">
+              <a:schemeClr val="accent1"/>
+            </a:fillRef>
+            <a:effectRef idx="0">
+              <a:schemeClr val="accent1"/>
+            </a:effectRef>
+            <a:fontRef idx="minor">
+              <a:schemeClr val="tx1"/>
+            </a:fontRef>
+          </p:style>
+        </p:cxnSp>
+        <p:cxnSp>
+          <p:nvCxnSpPr>
+            <p:cNvPr id="16" name="Straight Arrow Connector 15">
+              <a:extLst>
+                <a:ext uri="{FF2B5EF4-FFF2-40B4-BE49-F238E27FC236}">
+                  <a16:creationId xmlns:a16="http://schemas.microsoft.com/office/drawing/2014/main" id="{97813882-14B9-8FD9-5BCC-A943A89AE8FA}"/>
+                </a:ext>
+              </a:extLst>
+            </p:cNvPr>
+            <p:cNvCxnSpPr>
+              <a:cxnSpLocks/>
+              <a:stCxn id="4" idx="2"/>
+              <a:endCxn id="6" idx="0"/>
+            </p:cNvCxnSpPr>
+            <p:nvPr/>
+          </p:nvCxnSpPr>
+          <p:spPr>
+            <a:xfrm>
+              <a:off x="7825443" y="3211649"/>
+              <a:ext cx="1" cy="356231"/>
+            </a:xfrm>
+            <a:prstGeom prst="straightConnector1">
+              <a:avLst/>
+            </a:prstGeom>
+            <a:ln>
+              <a:tailEnd type="triangle"/>
+            </a:ln>
+          </p:spPr>
+          <p:style>
+            <a:lnRef idx="1">
+              <a:schemeClr val="accent1"/>
+            </a:lnRef>
+            <a:fillRef idx="0">
+              <a:schemeClr val="accent1"/>
+            </a:fillRef>
+            <a:effectRef idx="0">
+              <a:schemeClr val="accent1"/>
+            </a:effectRef>
+            <a:fontRef idx="minor">
+              <a:schemeClr val="tx1"/>
+            </a:fontRef>
+          </p:style>
+        </p:cxnSp>
+        <p:cxnSp>
+          <p:nvCxnSpPr>
+            <p:cNvPr id="19" name="Straight Arrow Connector 18">
+              <a:extLst>
+                <a:ext uri="{FF2B5EF4-FFF2-40B4-BE49-F238E27FC236}">
+                  <a16:creationId xmlns:a16="http://schemas.microsoft.com/office/drawing/2014/main" id="{7E0E1198-68F7-AE00-4DAF-24744C66FFB0}"/>
+                </a:ext>
+              </a:extLst>
+            </p:cNvPr>
+            <p:cNvCxnSpPr>
+              <a:cxnSpLocks/>
+              <a:stCxn id="6" idx="2"/>
+              <a:endCxn id="7" idx="0"/>
+            </p:cNvCxnSpPr>
+            <p:nvPr/>
+          </p:nvCxnSpPr>
+          <p:spPr>
+            <a:xfrm flipH="1">
+              <a:off x="7825443" y="3996734"/>
+              <a:ext cx="1" cy="384606"/>
+            </a:xfrm>
+            <a:prstGeom prst="straightConnector1">
+              <a:avLst/>
+            </a:prstGeom>
+            <a:ln>
+              <a:tailEnd type="triangle"/>
+            </a:ln>
+          </p:spPr>
+          <p:style>
+            <a:lnRef idx="1">
+              <a:schemeClr val="accent1"/>
+            </a:lnRef>
+            <a:fillRef idx="0">
+              <a:schemeClr val="accent1"/>
+            </a:fillRef>
+            <a:effectRef idx="0">
+              <a:schemeClr val="accent1"/>
+            </a:effectRef>
+            <a:fontRef idx="minor">
+              <a:schemeClr val="tx1"/>
+            </a:fontRef>
+          </p:style>
+        </p:cxnSp>
+        <p:sp>
+          <p:nvSpPr>
+            <p:cNvPr id="22" name="Flowchart: Terminator 21">
+              <a:extLst>
+                <a:ext uri="{FF2B5EF4-FFF2-40B4-BE49-F238E27FC236}">
+                  <a16:creationId xmlns:a16="http://schemas.microsoft.com/office/drawing/2014/main" id="{F982F21F-ADB8-417B-CBCD-3CB0068AB0E6}"/>
+                </a:ext>
+              </a:extLst>
+            </p:cNvPr>
+            <p:cNvSpPr/>
+            <p:nvPr/>
+          </p:nvSpPr>
+          <p:spPr>
+            <a:xfrm>
+              <a:off x="9927302" y="5901369"/>
+              <a:ext cx="1625600" cy="483146"/>
+            </a:xfrm>
+            <a:prstGeom prst="flowChartTerminator">
+              <a:avLst/>
+            </a:prstGeom>
+          </p:spPr>
+          <p:style>
+            <a:lnRef idx="2">
+              <a:schemeClr val="accent1">
+                <a:shade val="15000"/>
+              </a:schemeClr>
+            </a:lnRef>
+            <a:fillRef idx="1">
+              <a:schemeClr val="accent1"/>
+            </a:fillRef>
+            <a:effectRef idx="0">
+              <a:schemeClr val="accent1"/>
+            </a:effectRef>
+            <a:fontRef idx="minor">
+              <a:schemeClr val="lt1"/>
+            </a:fontRef>
+          </p:style>
+          <p:txBody>
+            <a:bodyPr rtlCol="0" anchor="ctr"/>
+            <a:lstStyle/>
+            <a:p>
+              <a:pPr algn="ctr"/>
+              <a:r>
+                <a:rPr lang="en-US" sz="1400" dirty="0">
+                  <a:latin typeface="Bookman Old Style" panose="02050604050505020204" pitchFamily="18" charset="0"/>
+                </a:rPr>
+                <a:t>End</a:t>
+              </a:r>
+              <a:endParaRPr lang="en-US" sz="1400" dirty="0"/>
+            </a:p>
+          </p:txBody>
+        </p:sp>
+        <p:sp>
+          <p:nvSpPr>
+            <p:cNvPr id="23" name="Flowchart: Decision 22">
+              <a:extLst>
+                <a:ext uri="{FF2B5EF4-FFF2-40B4-BE49-F238E27FC236}">
+                  <a16:creationId xmlns:a16="http://schemas.microsoft.com/office/drawing/2014/main" id="{C601DC1D-9CC9-5653-609E-CAAEC17256BE}"/>
+                </a:ext>
+              </a:extLst>
+            </p:cNvPr>
+            <p:cNvSpPr/>
+            <p:nvPr/>
+          </p:nvSpPr>
+          <p:spPr>
+            <a:xfrm>
+              <a:off x="737536" y="4065106"/>
+              <a:ext cx="3870584" cy="1934803"/>
+            </a:xfrm>
+            <a:prstGeom prst="flowChartDecision">
+              <a:avLst/>
+            </a:prstGeom>
+          </p:spPr>
+          <p:style>
+            <a:lnRef idx="2">
+              <a:schemeClr val="accent1">
+                <a:shade val="15000"/>
+              </a:schemeClr>
+            </a:lnRef>
+            <a:fillRef idx="1">
+              <a:schemeClr val="accent1"/>
+            </a:fillRef>
+            <a:effectRef idx="0">
+              <a:schemeClr val="accent1"/>
+            </a:effectRef>
+            <a:fontRef idx="minor">
+              <a:schemeClr val="lt1"/>
+            </a:fontRef>
+          </p:style>
+          <p:txBody>
+            <a:bodyPr rtlCol="0" anchor="ctr"/>
+            <a:lstStyle/>
+            <a:p>
+              <a:pPr algn="ctr"/>
+              <a:r>
+                <a:rPr lang="en-US" sz="1400" dirty="0">
+                  <a:latin typeface="Bookman Old Style" panose="02050604050505020204" pitchFamily="18" charset="0"/>
+                </a:rPr>
+                <a:t>If</a:t>
+              </a:r>
+            </a:p>
+            <a:p>
+              <a:pPr algn="ctr"/>
+              <a:r>
+                <a:rPr lang="en-US" sz="1400" dirty="0">
+                  <a:latin typeface="Bookman Old Style" panose="02050604050505020204" pitchFamily="18" charset="0"/>
+                </a:rPr>
+                <a:t>Maximum number of iteration (</a:t>
+              </a:r>
+              <a:r>
+                <a:rPr lang="en-US" sz="1400" dirty="0" err="1">
+                  <a:latin typeface="Bookman Old Style" panose="02050604050505020204" pitchFamily="18" charset="0"/>
+                </a:rPr>
+                <a:t>max_itter</a:t>
+              </a:r>
+              <a:r>
+                <a:rPr lang="en-US" sz="1400" dirty="0">
+                  <a:latin typeface="Bookman Old Style" panose="02050604050505020204" pitchFamily="18" charset="0"/>
+                </a:rPr>
+                <a:t>) is reached.</a:t>
+              </a:r>
+            </a:p>
+          </p:txBody>
+        </p:sp>
+        <p:cxnSp>
+          <p:nvCxnSpPr>
+            <p:cNvPr id="28" name="Straight Arrow Connector 27">
+              <a:extLst>
+                <a:ext uri="{FF2B5EF4-FFF2-40B4-BE49-F238E27FC236}">
+                  <a16:creationId xmlns:a16="http://schemas.microsoft.com/office/drawing/2014/main" id="{D1011041-1547-839D-CE98-90BF97C4650D}"/>
+                </a:ext>
+              </a:extLst>
+            </p:cNvPr>
+            <p:cNvCxnSpPr>
+              <a:stCxn id="7" idx="1"/>
+              <a:endCxn id="23" idx="3"/>
+            </p:cNvCxnSpPr>
+            <p:nvPr/>
+          </p:nvCxnSpPr>
+          <p:spPr>
+            <a:xfrm flipH="1">
+              <a:off x="4608120" y="5023917"/>
+              <a:ext cx="1777876" cy="8591"/>
+            </a:xfrm>
+            <a:prstGeom prst="straightConnector1">
+              <a:avLst/>
+            </a:prstGeom>
+            <a:ln>
+              <a:tailEnd type="triangle"/>
+            </a:ln>
+          </p:spPr>
+          <p:style>
+            <a:lnRef idx="1">
+              <a:schemeClr val="accent1"/>
+            </a:lnRef>
+            <a:fillRef idx="0">
+              <a:schemeClr val="accent1"/>
+            </a:fillRef>
+            <a:effectRef idx="0">
+              <a:schemeClr val="accent1"/>
+            </a:effectRef>
+            <a:fontRef idx="minor">
+              <a:schemeClr val="tx1"/>
+            </a:fontRef>
+          </p:style>
+        </p:cxnSp>
+        <p:cxnSp>
+          <p:nvCxnSpPr>
+            <p:cNvPr id="31" name="Connector: Elbow 30">
+              <a:extLst>
+                <a:ext uri="{FF2B5EF4-FFF2-40B4-BE49-F238E27FC236}">
+                  <a16:creationId xmlns:a16="http://schemas.microsoft.com/office/drawing/2014/main" id="{BD291A08-782E-4A43-9A20-4A1E142F3BE8}"/>
+                </a:ext>
+              </a:extLst>
+            </p:cNvPr>
+            <p:cNvCxnSpPr>
+              <a:cxnSpLocks/>
+              <a:stCxn id="23" idx="2"/>
+              <a:endCxn id="22" idx="1"/>
+            </p:cNvCxnSpPr>
+            <p:nvPr/>
+          </p:nvCxnSpPr>
+          <p:spPr>
+            <a:xfrm rot="16200000" flipH="1">
+              <a:off x="6228549" y="2444188"/>
+              <a:ext cx="143033" cy="7254474"/>
+            </a:xfrm>
+            <a:prstGeom prst="bentConnector2">
+              <a:avLst/>
+            </a:prstGeom>
+            <a:ln>
+              <a:tailEnd type="triangle"/>
+            </a:ln>
+          </p:spPr>
+          <p:style>
+            <a:lnRef idx="1">
+              <a:schemeClr val="accent1"/>
+            </a:lnRef>
+            <a:fillRef idx="0">
+              <a:schemeClr val="accent1"/>
+            </a:fillRef>
+            <a:effectRef idx="0">
+              <a:schemeClr val="accent1"/>
+            </a:effectRef>
+            <a:fontRef idx="minor">
+              <a:schemeClr val="tx1"/>
+            </a:fontRef>
+          </p:style>
+        </p:cxnSp>
+        <p:cxnSp>
+          <p:nvCxnSpPr>
+            <p:cNvPr id="33" name="Connector: Elbow 32">
+              <a:extLst>
+                <a:ext uri="{FF2B5EF4-FFF2-40B4-BE49-F238E27FC236}">
+                  <a16:creationId xmlns:a16="http://schemas.microsoft.com/office/drawing/2014/main" id="{749AA032-6619-37A7-8B30-CA3BF833F419}"/>
+                </a:ext>
+              </a:extLst>
+            </p:cNvPr>
+            <p:cNvCxnSpPr>
+              <a:cxnSpLocks/>
+              <a:stCxn id="7" idx="3"/>
+              <a:endCxn id="22" idx="0"/>
+            </p:cNvCxnSpPr>
+            <p:nvPr/>
+          </p:nvCxnSpPr>
+          <p:spPr>
+            <a:xfrm>
+              <a:off x="9264890" y="5023917"/>
+              <a:ext cx="1475212" cy="877452"/>
+            </a:xfrm>
+            <a:prstGeom prst="bentConnector2">
+              <a:avLst/>
+            </a:prstGeom>
+            <a:ln>
+              <a:tailEnd type="triangle"/>
+            </a:ln>
+          </p:spPr>
+          <p:style>
+            <a:lnRef idx="1">
+              <a:schemeClr val="accent1"/>
+            </a:lnRef>
+            <a:fillRef idx="0">
+              <a:schemeClr val="accent1"/>
+            </a:fillRef>
+            <a:effectRef idx="0">
+              <a:schemeClr val="accent1"/>
+            </a:effectRef>
+            <a:fontRef idx="minor">
+              <a:schemeClr val="tx1"/>
+            </a:fontRef>
+          </p:style>
+        </p:cxnSp>
+        <p:cxnSp>
+          <p:nvCxnSpPr>
+            <p:cNvPr id="38" name="Connector: Elbow 37">
+              <a:extLst>
+                <a:ext uri="{FF2B5EF4-FFF2-40B4-BE49-F238E27FC236}">
+                  <a16:creationId xmlns:a16="http://schemas.microsoft.com/office/drawing/2014/main" id="{F4836D8A-3F3A-4AA0-570F-1379E6EDAC84}"/>
+                </a:ext>
+              </a:extLst>
+            </p:cNvPr>
+            <p:cNvCxnSpPr>
+              <a:cxnSpLocks/>
+              <a:stCxn id="23" idx="0"/>
+              <a:endCxn id="4" idx="1"/>
+            </p:cNvCxnSpPr>
+            <p:nvPr/>
+          </p:nvCxnSpPr>
+          <p:spPr>
+            <a:xfrm rot="5400000" flipH="1" flipV="1">
+              <a:off x="3682292" y="1987758"/>
+              <a:ext cx="1067884" cy="3086812"/>
+            </a:xfrm>
+            <a:prstGeom prst="bentConnector2">
+              <a:avLst/>
+            </a:prstGeom>
+            <a:ln>
+              <a:tailEnd type="triangle"/>
+            </a:ln>
+          </p:spPr>
+          <p:style>
+            <a:lnRef idx="1">
+              <a:schemeClr val="accent1"/>
+            </a:lnRef>
+            <a:fillRef idx="0">
+              <a:schemeClr val="accent1"/>
+            </a:fillRef>
+            <a:effectRef idx="0">
+              <a:schemeClr val="accent1"/>
+            </a:effectRef>
+            <a:fontRef idx="minor">
+              <a:schemeClr val="tx1"/>
+            </a:fontRef>
+          </p:style>
+        </p:cxnSp>
+        <p:sp>
+          <p:nvSpPr>
+            <p:cNvPr id="41" name="TextBox 40">
+              <a:extLst>
+                <a:ext uri="{FF2B5EF4-FFF2-40B4-BE49-F238E27FC236}">
+                  <a16:creationId xmlns:a16="http://schemas.microsoft.com/office/drawing/2014/main" id="{A57E54BD-911A-76F6-41B3-54E57D60032D}"/>
+                </a:ext>
+              </a:extLst>
+            </p:cNvPr>
+            <p:cNvSpPr txBox="1"/>
+            <p:nvPr/>
+          </p:nvSpPr>
+          <p:spPr>
+            <a:xfrm>
+              <a:off x="9441272" y="4719893"/>
+              <a:ext cx="486030" cy="307777"/>
+            </a:xfrm>
+            <a:prstGeom prst="rect">
+              <a:avLst/>
+            </a:prstGeom>
+            <a:noFill/>
+          </p:spPr>
+          <p:txBody>
+            <a:bodyPr wrap="none" rtlCol="0">
+              <a:spAutoFit/>
+            </a:bodyPr>
+            <a:lstStyle/>
+            <a:p>
+              <a:r>
+                <a:rPr lang="en-US" sz="1400" dirty="0">
+                  <a:latin typeface="Bookman Old Style" panose="02050604050505020204" pitchFamily="18" charset="0"/>
+                </a:rPr>
+                <a:t>Yes</a:t>
+              </a:r>
+            </a:p>
+          </p:txBody>
+        </p:sp>
+        <p:sp>
+          <p:nvSpPr>
+            <p:cNvPr id="42" name="TextBox 41">
+              <a:extLst>
+                <a:ext uri="{FF2B5EF4-FFF2-40B4-BE49-F238E27FC236}">
+                  <a16:creationId xmlns:a16="http://schemas.microsoft.com/office/drawing/2014/main" id="{46D3E4E6-E169-CDB5-C802-902E4EE19211}"/>
+                </a:ext>
+              </a:extLst>
+            </p:cNvPr>
+            <p:cNvSpPr txBox="1"/>
+            <p:nvPr/>
+          </p:nvSpPr>
+          <p:spPr>
+            <a:xfrm>
+              <a:off x="3092162" y="5835165"/>
+              <a:ext cx="486030" cy="307777"/>
+            </a:xfrm>
+            <a:prstGeom prst="rect">
+              <a:avLst/>
+            </a:prstGeom>
+            <a:noFill/>
+          </p:spPr>
+          <p:txBody>
+            <a:bodyPr wrap="none" rtlCol="0">
+              <a:spAutoFit/>
+            </a:bodyPr>
+            <a:lstStyle/>
+            <a:p>
+              <a:r>
+                <a:rPr lang="en-US" sz="1400" dirty="0">
+                  <a:latin typeface="Bookman Old Style" panose="02050604050505020204" pitchFamily="18" charset="0"/>
+                </a:rPr>
+                <a:t>Yes</a:t>
+              </a:r>
+            </a:p>
+          </p:txBody>
+        </p:sp>
+        <p:sp>
+          <p:nvSpPr>
+            <p:cNvPr id="43" name="TextBox 42">
+              <a:extLst>
+                <a:ext uri="{FF2B5EF4-FFF2-40B4-BE49-F238E27FC236}">
+                  <a16:creationId xmlns:a16="http://schemas.microsoft.com/office/drawing/2014/main" id="{B06A7A4E-E58A-6E43-B4AD-C68EB54F1287}"/>
+                </a:ext>
+              </a:extLst>
+            </p:cNvPr>
+            <p:cNvSpPr txBox="1"/>
+            <p:nvPr/>
+          </p:nvSpPr>
+          <p:spPr>
+            <a:xfrm>
+              <a:off x="3706068" y="2683341"/>
+              <a:ext cx="418704" cy="307777"/>
+            </a:xfrm>
+            <a:prstGeom prst="rect">
+              <a:avLst/>
+            </a:prstGeom>
+            <a:noFill/>
+          </p:spPr>
+          <p:txBody>
+            <a:bodyPr wrap="none" rtlCol="0">
+              <a:spAutoFit/>
+            </a:bodyPr>
+            <a:lstStyle/>
+            <a:p>
+              <a:r>
+                <a:rPr lang="en-US" sz="1400" dirty="0">
+                  <a:latin typeface="Bookman Old Style" panose="02050604050505020204" pitchFamily="18" charset="0"/>
+                </a:rPr>
+                <a:t>No</a:t>
+              </a:r>
+            </a:p>
+          </p:txBody>
+        </p:sp>
+        <p:sp>
+          <p:nvSpPr>
+            <p:cNvPr id="44" name="TextBox 43">
+              <a:extLst>
+                <a:ext uri="{FF2B5EF4-FFF2-40B4-BE49-F238E27FC236}">
+                  <a16:creationId xmlns:a16="http://schemas.microsoft.com/office/drawing/2014/main" id="{E8DAD9AD-91F3-D8D7-D964-F469C1F8D8AA}"/>
+                </a:ext>
+              </a:extLst>
+            </p:cNvPr>
+            <p:cNvSpPr txBox="1"/>
+            <p:nvPr/>
+          </p:nvSpPr>
+          <p:spPr>
+            <a:xfrm>
+              <a:off x="5074935" y="4716140"/>
+              <a:ext cx="418704" cy="307777"/>
+            </a:xfrm>
+            <a:prstGeom prst="rect">
+              <a:avLst/>
+            </a:prstGeom>
+            <a:noFill/>
+          </p:spPr>
+          <p:txBody>
+            <a:bodyPr wrap="none" rtlCol="0">
+              <a:spAutoFit/>
+            </a:bodyPr>
+            <a:lstStyle/>
+            <a:p>
+              <a:r>
+                <a:rPr lang="en-US" sz="1400" dirty="0">
+                  <a:latin typeface="Bookman Old Style" panose="02050604050505020204" pitchFamily="18" charset="0"/>
+                </a:rPr>
+                <a:t>No</a:t>
+              </a:r>
+            </a:p>
+          </p:txBody>
+        </p:sp>
+      </p:grpSp>
     </p:spTree>
     <p:extLst>
       <p:ext uri="{BB962C8B-B14F-4D97-AF65-F5344CB8AC3E}">
-        <p14:creationId xmlns:p14="http://schemas.microsoft.com/office/powerpoint/2010/main" val="2349912699"/>
+        <p14:creationId xmlns:p14="http://schemas.microsoft.com/office/powerpoint/2010/main" val="1542072830"/>
       </p:ext>
     </p:extLst>
   </p:cSld>
@@ -23341,4 +24683,299 @@
     </a:ext>
   </a:extLst>
 </a:theme>
+</file>
+
+<file path=ppt/theme/theme2.xml><?xml version="1.0" encoding="utf-8"?>
+<a:theme xmlns:a="http://schemas.openxmlformats.org/drawingml/2006/main" name="Office Theme">
+  <a:themeElements>
+    <a:clrScheme name="Office">
+      <a:dk1>
+        <a:sysClr val="windowText" lastClr="000000"/>
+      </a:dk1>
+      <a:lt1>
+        <a:sysClr val="window" lastClr="FFFFFF"/>
+      </a:lt1>
+      <a:dk2>
+        <a:srgbClr val="44546A"/>
+      </a:dk2>
+      <a:lt2>
+        <a:srgbClr val="E7E6E6"/>
+      </a:lt2>
+      <a:accent1>
+        <a:srgbClr val="4472C4"/>
+      </a:accent1>
+      <a:accent2>
+        <a:srgbClr val="ED7D31"/>
+      </a:accent2>
+      <a:accent3>
+        <a:srgbClr val="A5A5A5"/>
+      </a:accent3>
+      <a:accent4>
+        <a:srgbClr val="FFC000"/>
+      </a:accent4>
+      <a:accent5>
+        <a:srgbClr val="5B9BD5"/>
+      </a:accent5>
+      <a:accent6>
+        <a:srgbClr val="70AD47"/>
+      </a:accent6>
+      <a:hlink>
+        <a:srgbClr val="0563C1"/>
+      </a:hlink>
+      <a:folHlink>
+        <a:srgbClr val="954F72"/>
+      </a:folHlink>
+    </a:clrScheme>
+    <a:fontScheme name="Office">
+      <a:majorFont>
+        <a:latin typeface="Calibri Light" panose="020F0302020204030204"/>
+        <a:ea typeface=""/>
+        <a:cs typeface=""/>
+        <a:font script="Jpan" typeface="游ゴシック Light"/>
+        <a:font script="Hang" typeface="맑은 고딕"/>
+        <a:font script="Hans" typeface="等线 Light"/>
+        <a:font script="Hant" typeface="新細明體"/>
+        <a:font script="Arab" typeface="Times New Roman"/>
+        <a:font script="Hebr" typeface="Times New Roman"/>
+        <a:font script="Thai" typeface="Angsana New"/>
+        <a:font script="Ethi" typeface="Nyala"/>
+        <a:font script="Beng" typeface="Vrinda"/>
+        <a:font script="Gujr" typeface="Shruti"/>
+        <a:font script="Khmr" typeface="MoolBoran"/>
+        <a:font script="Knda" typeface="Tunga"/>
+        <a:font script="Guru" typeface="Raavi"/>
+        <a:font script="Cans" typeface="Euphemia"/>
+        <a:font script="Cher" typeface="Plantagenet Cherokee"/>
+        <a:font script="Yiii" typeface="Microsoft Yi Baiti"/>
+        <a:font script="Tibt" typeface="Microsoft Himalaya"/>
+        <a:font script="Thaa" typeface="MV Boli"/>
+        <a:font script="Deva" typeface="Mangal"/>
+        <a:font script="Telu" typeface="Gautami"/>
+        <a:font script="Taml" typeface="Latha"/>
+        <a:font script="Syrc" typeface="Estrangelo Edessa"/>
+        <a:font script="Orya" typeface="Kalinga"/>
+        <a:font script="Mlym" typeface="Kartika"/>
+        <a:font script="Laoo" typeface="DokChampa"/>
+        <a:font script="Sinh" typeface="Iskoola Pota"/>
+        <a:font script="Mong" typeface="Mongolian Baiti"/>
+        <a:font script="Viet" typeface="Times New Roman"/>
+        <a:font script="Uigh" typeface="Microsoft Uighur"/>
+        <a:font script="Geor" typeface="Sylfaen"/>
+        <a:font script="Armn" typeface="Arial"/>
+        <a:font script="Bugi" typeface="Leelawadee UI"/>
+        <a:font script="Bopo" typeface="Microsoft JhengHei"/>
+        <a:font script="Java" typeface="Javanese Text"/>
+        <a:font script="Lisu" typeface="Segoe UI"/>
+        <a:font script="Mymr" typeface="Myanmar Text"/>
+        <a:font script="Nkoo" typeface="Ebrima"/>
+        <a:font script="Olck" typeface="Nirmala UI"/>
+        <a:font script="Osma" typeface="Ebrima"/>
+        <a:font script="Phag" typeface="Phagspa"/>
+        <a:font script="Syrn" typeface="Estrangelo Edessa"/>
+        <a:font script="Syrj" typeface="Estrangelo Edessa"/>
+        <a:font script="Syre" typeface="Estrangelo Edessa"/>
+        <a:font script="Sora" typeface="Nirmala UI"/>
+        <a:font script="Tale" typeface="Microsoft Tai Le"/>
+        <a:font script="Talu" typeface="Microsoft New Tai Lue"/>
+        <a:font script="Tfng" typeface="Ebrima"/>
+      </a:majorFont>
+      <a:minorFont>
+        <a:latin typeface="Calibri" panose="020F0502020204030204"/>
+        <a:ea typeface=""/>
+        <a:cs typeface=""/>
+        <a:font script="Jpan" typeface="游ゴシック"/>
+        <a:font script="Hang" typeface="맑은 고딕"/>
+        <a:font script="Hans" typeface="等线"/>
+        <a:font script="Hant" typeface="新細明體"/>
+        <a:font script="Arab" typeface="Arial"/>
+        <a:font script="Hebr" typeface="Arial"/>
+        <a:font script="Thai" typeface="Cordia New"/>
+        <a:font script="Ethi" typeface="Nyala"/>
+        <a:font script="Beng" typeface="Vrinda"/>
+        <a:font script="Gujr" typeface="Shruti"/>
+        <a:font script="Khmr" typeface="DaunPenh"/>
+        <a:font script="Knda" typeface="Tunga"/>
+        <a:font script="Guru" typeface="Raavi"/>
+        <a:font script="Cans" typeface="Euphemia"/>
+        <a:font script="Cher" typeface="Plantagenet Cherokee"/>
+        <a:font script="Yiii" typeface="Microsoft Yi Baiti"/>
+        <a:font script="Tibt" typeface="Microsoft Himalaya"/>
+        <a:font script="Thaa" typeface="MV Boli"/>
+        <a:font script="Deva" typeface="Mangal"/>
+        <a:font script="Telu" typeface="Gautami"/>
+        <a:font script="Taml" typeface="Latha"/>
+        <a:font script="Syrc" typeface="Estrangelo Edessa"/>
+        <a:font script="Orya" typeface="Kalinga"/>
+        <a:font script="Mlym" typeface="Kartika"/>
+        <a:font script="Laoo" typeface="DokChampa"/>
+        <a:font script="Sinh" typeface="Iskoola Pota"/>
+        <a:font script="Mong" typeface="Mongolian Baiti"/>
+        <a:font script="Viet" typeface="Arial"/>
+        <a:font script="Uigh" typeface="Microsoft Uighur"/>
+        <a:font script="Geor" typeface="Sylfaen"/>
+        <a:font script="Armn" typeface="Arial"/>
+        <a:font script="Bugi" typeface="Leelawadee UI"/>
+        <a:font script="Bopo" typeface="Microsoft JhengHei"/>
+        <a:font script="Java" typeface="Javanese Text"/>
+        <a:font script="Lisu" typeface="Segoe UI"/>
+        <a:font script="Mymr" typeface="Myanmar Text"/>
+        <a:font script="Nkoo" typeface="Ebrima"/>
+        <a:font script="Olck" typeface="Nirmala UI"/>
+        <a:font script="Osma" typeface="Ebrima"/>
+        <a:font script="Phag" typeface="Phagspa"/>
+        <a:font script="Syrn" typeface="Estrangelo Edessa"/>
+        <a:font script="Syrj" typeface="Estrangelo Edessa"/>
+        <a:font script="Syre" typeface="Estrangelo Edessa"/>
+        <a:font script="Sora" typeface="Nirmala UI"/>
+        <a:font script="Tale" typeface="Microsoft Tai Le"/>
+        <a:font script="Talu" typeface="Microsoft New Tai Lue"/>
+        <a:font script="Tfng" typeface="Ebrima"/>
+      </a:minorFont>
+    </a:fontScheme>
+    <a:fmtScheme name="Office">
+      <a:fillStyleLst>
+        <a:solidFill>
+          <a:schemeClr val="phClr"/>
+        </a:solidFill>
+        <a:gradFill rotWithShape="1">
+          <a:gsLst>
+            <a:gs pos="0">
+              <a:schemeClr val="phClr">
+                <a:lumMod val="110000"/>
+                <a:satMod val="105000"/>
+                <a:tint val="67000"/>
+              </a:schemeClr>
+            </a:gs>
+            <a:gs pos="50000">
+              <a:schemeClr val="phClr">
+                <a:lumMod val="105000"/>
+                <a:satMod val="103000"/>
+                <a:tint val="73000"/>
+              </a:schemeClr>
+            </a:gs>
+            <a:gs pos="100000">
+              <a:schemeClr val="phClr">
+                <a:lumMod val="105000"/>
+                <a:satMod val="109000"/>
+                <a:tint val="81000"/>
+              </a:schemeClr>
+            </a:gs>
+          </a:gsLst>
+          <a:lin ang="5400000" scaled="0"/>
+        </a:gradFill>
+        <a:gradFill rotWithShape="1">
+          <a:gsLst>
+            <a:gs pos="0">
+              <a:schemeClr val="phClr">
+                <a:satMod val="103000"/>
+                <a:lumMod val="102000"/>
+                <a:tint val="94000"/>
+              </a:schemeClr>
+            </a:gs>
+            <a:gs pos="50000">
+              <a:schemeClr val="phClr">
+                <a:satMod val="110000"/>
+                <a:lumMod val="100000"/>
+                <a:shade val="100000"/>
+              </a:schemeClr>
+            </a:gs>
+            <a:gs pos="100000">
+              <a:schemeClr val="phClr">
+                <a:lumMod val="99000"/>
+                <a:satMod val="120000"/>
+                <a:shade val="78000"/>
+              </a:schemeClr>
+            </a:gs>
+          </a:gsLst>
+          <a:lin ang="5400000" scaled="0"/>
+        </a:gradFill>
+      </a:fillStyleLst>
+      <a:lnStyleLst>
+        <a:ln w="6350" cap="flat" cmpd="sng" algn="ctr">
+          <a:solidFill>
+            <a:schemeClr val="phClr"/>
+          </a:solidFill>
+          <a:prstDash val="solid"/>
+          <a:miter lim="800000"/>
+        </a:ln>
+        <a:ln w="12700" cap="flat" cmpd="sng" algn="ctr">
+          <a:solidFill>
+            <a:schemeClr val="phClr"/>
+          </a:solidFill>
+          <a:prstDash val="solid"/>
+          <a:miter lim="800000"/>
+        </a:ln>
+        <a:ln w="19050" cap="flat" cmpd="sng" algn="ctr">
+          <a:solidFill>
+            <a:schemeClr val="phClr"/>
+          </a:solidFill>
+          <a:prstDash val="solid"/>
+          <a:miter lim="800000"/>
+        </a:ln>
+      </a:lnStyleLst>
+      <a:effectStyleLst>
+        <a:effectStyle>
+          <a:effectLst/>
+        </a:effectStyle>
+        <a:effectStyle>
+          <a:effectLst/>
+        </a:effectStyle>
+        <a:effectStyle>
+          <a:effectLst>
+            <a:outerShdw blurRad="57150" dist="19050" dir="5400000" algn="ctr" rotWithShape="0">
+              <a:srgbClr val="000000">
+                <a:alpha val="63000"/>
+              </a:srgbClr>
+            </a:outerShdw>
+          </a:effectLst>
+        </a:effectStyle>
+      </a:effectStyleLst>
+      <a:bgFillStyleLst>
+        <a:solidFill>
+          <a:schemeClr val="phClr"/>
+        </a:solidFill>
+        <a:solidFill>
+          <a:schemeClr val="phClr">
+            <a:tint val="95000"/>
+            <a:satMod val="170000"/>
+          </a:schemeClr>
+        </a:solidFill>
+        <a:gradFill rotWithShape="1">
+          <a:gsLst>
+            <a:gs pos="0">
+              <a:schemeClr val="phClr">
+                <a:tint val="93000"/>
+                <a:satMod val="150000"/>
+                <a:shade val="98000"/>
+                <a:lumMod val="102000"/>
+              </a:schemeClr>
+            </a:gs>
+            <a:gs pos="50000">
+              <a:schemeClr val="phClr">
+                <a:tint val="98000"/>
+                <a:satMod val="130000"/>
+                <a:shade val="90000"/>
+                <a:lumMod val="103000"/>
+              </a:schemeClr>
+            </a:gs>
+            <a:gs pos="100000">
+              <a:schemeClr val="phClr">
+                <a:shade val="63000"/>
+                <a:satMod val="120000"/>
+              </a:schemeClr>
+            </a:gs>
+          </a:gsLst>
+          <a:lin ang="5400000" scaled="0"/>
+        </a:gradFill>
+      </a:bgFillStyleLst>
+    </a:fmtScheme>
+  </a:themeElements>
+  <a:objectDefaults/>
+  <a:extraClrSchemeLst/>
+  <a:extLst>
+    <a:ext uri="{05A4C25C-085E-4340-85A3-A5531E510DB2}">
+      <thm15:themeFamily xmlns:thm15="http://schemas.microsoft.com/office/thememl/2012/main" name="Office Theme" id="{62F939B6-93AF-4DB8-9C6B-D6C7DFDC589F}" vid="{4A3C46E8-61CC-4603-A589-7422A47A8E4A}"/>
+    </a:ext>
+  </a:extLst>
+</a:theme>
 </file>